--- a/基础PPT/JavaSE进阶第二版/第12章：Java注解简介.pptx
+++ b/基础PPT/JavaSE进阶第二版/第12章：Java注解简介.pptx
@@ -7602,6 +7602,24 @@
           <a:p>
             <a:pPr algn="l"/>
             <a:r>
+              <a:rPr lang="en-US" altLang="zh-CN" b="1">
+                <a:latin typeface="宋体" panose="02010600030101010101" pitchFamily="2" charset="-122"/>
+                <a:ea typeface="宋体" panose="02010600030101010101" pitchFamily="2" charset="-122"/>
+                <a:cs typeface="宋体" panose="02010600030101010101" pitchFamily="2" charset="-122"/>
+                <a:sym typeface="+mn-ea"/>
+              </a:rPr>
+              <a:t>1</a:t>
+            </a:r>
+            <a:r>
+              <a:rPr lang="zh-CN" altLang="en-US" b="1">
+                <a:latin typeface="宋体" panose="02010600030101010101" pitchFamily="2" charset="-122"/>
+                <a:ea typeface="宋体" panose="02010600030101010101" pitchFamily="2" charset="-122"/>
+                <a:cs typeface="宋体" panose="02010600030101010101" pitchFamily="2" charset="-122"/>
+                <a:sym typeface="+mn-ea"/>
+              </a:rPr>
+              <a:t>、</a:t>
+            </a:r>
+            <a:r>
               <a:rPr lang="zh-CN" altLang="en-US" b="1">
                 <a:latin typeface="宋体" panose="02010600030101010101" pitchFamily="2" charset="-122"/>
                 <a:ea typeface="宋体" panose="02010600030101010101" pitchFamily="2" charset="-122"/>
@@ -7638,6 +7656,24 @@
           </a:bodyPr>
           <a:p>
             <a:pPr algn="l"/>
+            <a:r>
+              <a:rPr lang="en-US" altLang="zh-CN" b="1">
+                <a:latin typeface="宋体" panose="02010600030101010101" pitchFamily="2" charset="-122"/>
+                <a:ea typeface="宋体" panose="02010600030101010101" pitchFamily="2" charset="-122"/>
+                <a:cs typeface="宋体" panose="02010600030101010101" pitchFamily="2" charset="-122"/>
+                <a:sym typeface="+mn-ea"/>
+              </a:rPr>
+              <a:t>2</a:t>
+            </a:r>
+            <a:r>
+              <a:rPr lang="zh-CN" altLang="en-US" b="1">
+                <a:latin typeface="宋体" panose="02010600030101010101" pitchFamily="2" charset="-122"/>
+                <a:ea typeface="宋体" panose="02010600030101010101" pitchFamily="2" charset="-122"/>
+                <a:cs typeface="宋体" panose="02010600030101010101" pitchFamily="2" charset="-122"/>
+                <a:sym typeface="+mn-ea"/>
+              </a:rPr>
+              <a:t>、</a:t>
+            </a:r>
             <a:r>
               <a:rPr lang="zh-CN" altLang="en-US" b="1">
                 <a:latin typeface="宋体" panose="02010600030101010101" pitchFamily="2" charset="-122"/>
